--- a/Presentation.pptx
+++ b/Presentation.pptx
@@ -7,8 +7,8 @@
   <p:sldIdLst>
     <p:sldId id="256" r:id="rId2"/>
     <p:sldId id="257" r:id="rId3"/>
-    <p:sldId id="258" r:id="rId4"/>
-    <p:sldId id="259" r:id="rId5"/>
+    <p:sldId id="259" r:id="rId4"/>
+    <p:sldId id="258" r:id="rId5"/>
     <p:sldId id="260" r:id="rId6"/>
     <p:sldId id="261" r:id="rId7"/>
     <p:sldId id="262" r:id="rId8"/>
@@ -332,7 +332,8 @@
           <a:p>
             <a:fld id="{DC73924C-8A68-4182-BA1C-823EF578F7B2}" type="datetimeFigureOut">
               <a:rPr lang="bg-BG" smtClean="0"/>
-              <a:t>16.3.2019 г.</a:t>
+              <a:pPr/>
+              <a:t>17.3.2019 г.</a:t>
             </a:fld>
             <a:endParaRPr lang="bg-BG"/>
           </a:p>
@@ -396,6 +397,7 @@
           <a:p>
             <a:fld id="{0DBCADEC-806E-460A-A7BF-55B1D80C7F36}" type="slidenum">
               <a:rPr lang="bg-BG" smtClean="0"/>
+              <a:pPr/>
               <a:t>‹#›</a:t>
             </a:fld>
             <a:endParaRPr lang="bg-BG"/>
@@ -519,7 +521,8 @@
           <a:p>
             <a:fld id="{DC73924C-8A68-4182-BA1C-823EF578F7B2}" type="datetimeFigureOut">
               <a:rPr lang="bg-BG" smtClean="0"/>
-              <a:t>16.3.2019 г.</a:t>
+              <a:pPr/>
+              <a:t>17.3.2019 г.</a:t>
             </a:fld>
             <a:endParaRPr lang="bg-BG"/>
           </a:p>
@@ -561,6 +564,7 @@
           <a:p>
             <a:fld id="{0DBCADEC-806E-460A-A7BF-55B1D80C7F36}" type="slidenum">
               <a:rPr lang="bg-BG" smtClean="0"/>
+              <a:pPr/>
               <a:t>‹#›</a:t>
             </a:fld>
             <a:endParaRPr lang="bg-BG"/>
@@ -694,7 +698,8 @@
           <a:p>
             <a:fld id="{DC73924C-8A68-4182-BA1C-823EF578F7B2}" type="datetimeFigureOut">
               <a:rPr lang="bg-BG" smtClean="0"/>
-              <a:t>16.3.2019 г.</a:t>
+              <a:pPr/>
+              <a:t>17.3.2019 г.</a:t>
             </a:fld>
             <a:endParaRPr lang="bg-BG"/>
           </a:p>
@@ -736,6 +741,7 @@
           <a:p>
             <a:fld id="{0DBCADEC-806E-460A-A7BF-55B1D80C7F36}" type="slidenum">
               <a:rPr lang="bg-BG" smtClean="0"/>
+              <a:pPr/>
               <a:t>‹#›</a:t>
             </a:fld>
             <a:endParaRPr lang="bg-BG"/>
@@ -874,7 +880,8 @@
           <a:p>
             <a:fld id="{DC73924C-8A68-4182-BA1C-823EF578F7B2}" type="datetimeFigureOut">
               <a:rPr lang="bg-BG" smtClean="0"/>
-              <a:t>16.3.2019 г.</a:t>
+              <a:pPr/>
+              <a:t>17.3.2019 г.</a:t>
             </a:fld>
             <a:endParaRPr lang="bg-BG"/>
           </a:p>
@@ -921,6 +928,7 @@
           <a:p>
             <a:fld id="{0DBCADEC-806E-460A-A7BF-55B1D80C7F36}" type="slidenum">
               <a:rPr lang="bg-BG" smtClean="0"/>
+              <a:pPr/>
               <a:t>‹#›</a:t>
             </a:fld>
             <a:endParaRPr lang="bg-BG"/>
@@ -1121,7 +1129,8 @@
           <a:p>
             <a:fld id="{DC73924C-8A68-4182-BA1C-823EF578F7B2}" type="datetimeFigureOut">
               <a:rPr lang="bg-BG" smtClean="0"/>
-              <a:t>16.3.2019 г.</a:t>
+              <a:pPr/>
+              <a:t>17.3.2019 г.</a:t>
             </a:fld>
             <a:endParaRPr lang="bg-BG"/>
           </a:p>
@@ -1173,6 +1182,7 @@
           <a:p>
             <a:fld id="{0DBCADEC-806E-460A-A7BF-55B1D80C7F36}" type="slidenum">
               <a:rPr lang="bg-BG" smtClean="0"/>
+              <a:pPr/>
               <a:t>‹#›</a:t>
             </a:fld>
             <a:endParaRPr lang="bg-BG"/>
@@ -1595,7 +1605,8 @@
           <a:p>
             <a:fld id="{DC73924C-8A68-4182-BA1C-823EF578F7B2}" type="datetimeFigureOut">
               <a:rPr lang="bg-BG" smtClean="0"/>
-              <a:t>16.3.2019 г.</a:t>
+              <a:pPr/>
+              <a:t>17.3.2019 г.</a:t>
             </a:fld>
             <a:endParaRPr lang="bg-BG"/>
           </a:p>
@@ -1647,6 +1658,7 @@
           <a:p>
             <a:fld id="{0DBCADEC-806E-460A-A7BF-55B1D80C7F36}" type="slidenum">
               <a:rPr lang="bg-BG" smtClean="0"/>
+              <a:pPr/>
               <a:t>‹#›</a:t>
             </a:fld>
             <a:endParaRPr lang="bg-BG"/>
@@ -2010,7 +2022,8 @@
           <a:p>
             <a:fld id="{DC73924C-8A68-4182-BA1C-823EF578F7B2}" type="datetimeFigureOut">
               <a:rPr lang="bg-BG" smtClean="0"/>
-              <a:t>16.3.2019 г.</a:t>
+              <a:pPr/>
+              <a:t>17.3.2019 г.</a:t>
             </a:fld>
             <a:endParaRPr lang="bg-BG"/>
           </a:p>
@@ -2066,6 +2079,7 @@
           <a:p>
             <a:fld id="{0DBCADEC-806E-460A-A7BF-55B1D80C7F36}" type="slidenum">
               <a:rPr lang="bg-BG" smtClean="0"/>
+              <a:pPr/>
               <a:t>‹#›</a:t>
             </a:fld>
             <a:endParaRPr lang="bg-BG"/>
@@ -2141,7 +2155,8 @@
           <a:p>
             <a:fld id="{DC73924C-8A68-4182-BA1C-823EF578F7B2}" type="datetimeFigureOut">
               <a:rPr lang="bg-BG" smtClean="0"/>
-              <a:t>16.3.2019 г.</a:t>
+              <a:pPr/>
+              <a:t>17.3.2019 г.</a:t>
             </a:fld>
             <a:endParaRPr lang="bg-BG"/>
           </a:p>
@@ -2183,6 +2198,7 @@
           <a:p>
             <a:fld id="{0DBCADEC-806E-460A-A7BF-55B1D80C7F36}" type="slidenum">
               <a:rPr lang="bg-BG" smtClean="0"/>
+              <a:pPr/>
               <a:t>‹#›</a:t>
             </a:fld>
             <a:endParaRPr lang="bg-BG"/>
@@ -2236,7 +2252,8 @@
           <a:p>
             <a:fld id="{DC73924C-8A68-4182-BA1C-823EF578F7B2}" type="datetimeFigureOut">
               <a:rPr lang="bg-BG" smtClean="0"/>
-              <a:t>16.3.2019 г.</a:t>
+              <a:pPr/>
+              <a:t>17.3.2019 г.</a:t>
             </a:fld>
             <a:endParaRPr lang="bg-BG"/>
           </a:p>
@@ -2288,6 +2305,7 @@
           <a:p>
             <a:fld id="{0DBCADEC-806E-460A-A7BF-55B1D80C7F36}" type="slidenum">
               <a:rPr lang="bg-BG" smtClean="0"/>
+              <a:pPr/>
               <a:t>‹#›</a:t>
             </a:fld>
             <a:endParaRPr lang="bg-BG"/>
@@ -2514,7 +2532,8 @@
           <a:p>
             <a:fld id="{DC73924C-8A68-4182-BA1C-823EF578F7B2}" type="datetimeFigureOut">
               <a:rPr lang="bg-BG" smtClean="0"/>
-              <a:t>16.3.2019 г.</a:t>
+              <a:pPr/>
+              <a:t>17.3.2019 г.</a:t>
             </a:fld>
             <a:endParaRPr lang="bg-BG"/>
           </a:p>
@@ -2574,6 +2593,7 @@
           <a:p>
             <a:fld id="{0DBCADEC-806E-460A-A7BF-55B1D80C7F36}" type="slidenum">
               <a:rPr lang="bg-BG" smtClean="0"/>
+              <a:pPr/>
               <a:t>‹#›</a:t>
             </a:fld>
             <a:endParaRPr lang="bg-BG"/>
@@ -2766,7 +2786,8 @@
           <a:p>
             <a:fld id="{DC73924C-8A68-4182-BA1C-823EF578F7B2}" type="datetimeFigureOut">
               <a:rPr lang="bg-BG" smtClean="0"/>
-              <a:t>16.3.2019 г.</a:t>
+              <a:pPr/>
+              <a:t>17.3.2019 г.</a:t>
             </a:fld>
             <a:endParaRPr lang="bg-BG"/>
           </a:p>
@@ -2826,6 +2847,7 @@
           <a:p>
             <a:fld id="{0DBCADEC-806E-460A-A7BF-55B1D80C7F36}" type="slidenum">
               <a:rPr lang="bg-BG" smtClean="0"/>
+              <a:pPr/>
               <a:t>‹#›</a:t>
             </a:fld>
             <a:endParaRPr lang="bg-BG"/>
@@ -3138,7 +3160,8 @@
           <a:p>
             <a:fld id="{DC73924C-8A68-4182-BA1C-823EF578F7B2}" type="datetimeFigureOut">
               <a:rPr lang="bg-BG" smtClean="0"/>
-              <a:t>16.3.2019 г.</a:t>
+              <a:pPr/>
+              <a:t>17.3.2019 г.</a:t>
             </a:fld>
             <a:endParaRPr lang="bg-BG"/>
           </a:p>
@@ -3212,6 +3235,7 @@
           <a:p>
             <a:fld id="{0DBCADEC-806E-460A-A7BF-55B1D80C7F36}" type="slidenum">
               <a:rPr lang="bg-BG" smtClean="0"/>
+              <a:pPr/>
               <a:t>‹#›</a:t>
             </a:fld>
             <a:endParaRPr lang="bg-BG"/>
@@ -3665,14 +3689,19 @@
             <p:ph idx="1"/>
           </p:nvPr>
         </p:nvSpPr>
-        <p:spPr/>
+        <p:spPr>
+          <a:xfrm>
+            <a:off x="457200" y="1882808"/>
+            <a:ext cx="8229600" cy="3562416"/>
+          </a:xfrm>
+        </p:spPr>
         <p:txBody>
           <a:bodyPr/>
           <a:lstStyle/>
           <a:p>
             <a:r>
               <a:rPr lang="bg-BG" dirty="0" smtClean="0"/>
-              <a:t>Ние сме отбор ,,споко”.Отборът ни се състои от четири човека като всеки  отговаря за дадена част от проекта.</a:t>
+              <a:t>Ние сме отбор ,,Споко”. Отборът ни се състои от четирима души като всеки  отговаря за дадена част от проекта.</a:t>
             </a:r>
           </a:p>
           <a:p>
@@ -3686,11 +3715,7 @@
             </a:r>
             <a:r>
               <a:rPr lang="bg-BG" dirty="0" smtClean="0"/>
-              <a:t> </a:t>
-            </a:r>
-            <a:r>
-              <a:rPr lang="bg-BG" dirty="0" smtClean="0"/>
-              <a:t>Направили сме 2</a:t>
+              <a:t> Направили сме 2</a:t>
             </a:r>
             <a:r>
               <a:rPr lang="en-US" dirty="0" smtClean="0"/>
@@ -3745,7 +3770,7 @@
           <a:p>
             <a:r>
               <a:rPr lang="bg-BG" dirty="0" smtClean="0"/>
-              <a:t>Играта (Демо)</a:t>
+              <a:t>Кой каква роля има в създаването на ирата?</a:t>
             </a:r>
             <a:endParaRPr lang="bg-BG" dirty="0"/>
           </a:p>
@@ -3761,12 +3786,46 @@
             <p:ph idx="1"/>
           </p:nvPr>
         </p:nvSpPr>
-        <p:spPr/>
-        <p:txBody>
-          <a:bodyPr/>
-          <a:lstStyle/>
-          <a:p>
-            <a:endParaRPr lang="bg-BG"/>
+        <p:spPr>
+          <a:xfrm>
+            <a:off x="457200" y="1882808"/>
+            <a:ext cx="8229600" cy="3274384"/>
+          </a:xfrm>
+        </p:spPr>
+        <p:txBody>
+          <a:bodyPr/>
+          <a:lstStyle/>
+          <a:p>
+            <a:r>
+              <a:rPr lang="bg-BG" dirty="0" smtClean="0"/>
+              <a:t>Антонио - основната част от кода</a:t>
+            </a:r>
+          </a:p>
+          <a:p>
+            <a:r>
+              <a:rPr lang="bg-BG" dirty="0" smtClean="0"/>
+              <a:t>Александър – помощ с кода, </a:t>
+            </a:r>
+            <a:r>
+              <a:rPr lang="en-US" dirty="0" smtClean="0"/>
+              <a:t>Github</a:t>
+            </a:r>
+            <a:endParaRPr lang="bg-BG" dirty="0" smtClean="0"/>
+          </a:p>
+          <a:p>
+            <a:r>
+              <a:rPr lang="bg-BG" dirty="0" smtClean="0"/>
+              <a:t>Васил – помощ с графичния дизайн, въпроси за играта</a:t>
+            </a:r>
+          </a:p>
+          <a:p>
+            <a:r>
+              <a:rPr lang="bg-BG" dirty="0" smtClean="0"/>
+              <a:t>Симона – графичен дизайн, презентация, помощ с въпросите за играта</a:t>
+            </a:r>
+          </a:p>
+          <a:p>
+            <a:endParaRPr lang="bg-BG" dirty="0"/>
           </a:p>
         </p:txBody>
       </p:sp>
@@ -3812,7 +3871,7 @@
           <a:p>
             <a:r>
               <a:rPr lang="bg-BG" dirty="0" smtClean="0"/>
-              <a:t>Кой каква роля има в създаването на ирата?</a:t>
+              <a:t>Играта (Демо)</a:t>
             </a:r>
             <a:endParaRPr lang="bg-BG" dirty="0"/>
           </a:p>
@@ -3833,31 +3892,7 @@
           <a:bodyPr/>
           <a:lstStyle/>
           <a:p>
-            <a:r>
-              <a:rPr lang="bg-BG" dirty="0" smtClean="0"/>
-              <a:t>Антонио - Основната част от кода</a:t>
-            </a:r>
-          </a:p>
-          <a:p>
-            <a:r>
-              <a:rPr lang="bg-BG" dirty="0" smtClean="0"/>
-              <a:t>Александър – Помощ с кода, Гитхъб</a:t>
-            </a:r>
-          </a:p>
-          <a:p>
-            <a:r>
-              <a:rPr lang="bg-BG" dirty="0" smtClean="0"/>
-              <a:t>Симона – Графичен дизайн, Презентация, Помощ с въпросите за играта</a:t>
-            </a:r>
-          </a:p>
-          <a:p>
-            <a:r>
-              <a:rPr lang="bg-BG" dirty="0" smtClean="0"/>
-              <a:t>Васил – Помощ с графичния дизайн, Въпроси за играта</a:t>
-            </a:r>
-          </a:p>
-          <a:p>
-            <a:endParaRPr lang="bg-BG" dirty="0"/>
+            <a:endParaRPr lang="bg-BG"/>
           </a:p>
         </p:txBody>
       </p:sp>
@@ -3919,7 +3954,12 @@
             <p:ph idx="1"/>
           </p:nvPr>
         </p:nvSpPr>
-        <p:spPr/>
+        <p:spPr>
+          <a:xfrm>
+            <a:off x="457200" y="1882808"/>
+            <a:ext cx="8229600" cy="2914344"/>
+          </a:xfrm>
+        </p:spPr>
         <p:txBody>
           <a:bodyPr/>
           <a:lstStyle/>
@@ -3934,7 +3974,7 @@
             </a:r>
             <a:r>
               <a:rPr lang="bg-BG" dirty="0" smtClean="0"/>
-              <a:t>, използвайки библиотеката </a:t>
+              <a:t> с библиотеката </a:t>
             </a:r>
             <a:r>
               <a:rPr lang="en-US" dirty="0" smtClean="0"/>
@@ -4023,20 +4063,27 @@
         </p:nvSpPr>
         <p:spPr/>
         <p:txBody>
-          <a:bodyPr/>
-          <a:lstStyle/>
-          <a:p>
-            <a:r>
-              <a:rPr lang="bg-BG" dirty="0" smtClean="0"/>
+          <a:bodyPr>
+            <a:normAutofit/>
+          </a:bodyPr>
+          <a:lstStyle/>
+          <a:p>
+            <a:r>
+              <a:rPr lang="bg-BG" sz="4000" dirty="0" smtClean="0"/>
               <a:t>Допълнителни етажи;</a:t>
             </a:r>
           </a:p>
           <a:p>
             <a:r>
-              <a:rPr lang="bg-BG" dirty="0" smtClean="0"/>
+              <a:rPr lang="bg-BG" sz="4000" dirty="0" smtClean="0"/>
+              <a:t>Точкова система;</a:t>
+            </a:r>
+          </a:p>
+          <a:p>
+            <a:r>
+              <a:rPr lang="bg-BG" sz="4000" dirty="0" smtClean="0"/>
               <a:t>Жокери;</a:t>
             </a:r>
-            <a:endParaRPr lang="bg-BG" dirty="0"/>
           </a:p>
         </p:txBody>
       </p:sp>
@@ -4075,36 +4122,24 @@
             <p:ph type="title"/>
           </p:nvPr>
         </p:nvSpPr>
-        <p:spPr/>
-        <p:txBody>
-          <a:bodyPr/>
+        <p:spPr>
+          <a:xfrm>
+            <a:off x="467544" y="2564904"/>
+            <a:ext cx="8229600" cy="1399032"/>
+          </a:xfrm>
+        </p:spPr>
+        <p:txBody>
+          <a:bodyPr>
+            <a:noAutofit/>
+          </a:bodyPr>
           <a:lstStyle/>
           <a:p>
             <a:pPr algn="ctr"/>
             <a:r>
-              <a:rPr lang="bg-BG" dirty="0" smtClean="0"/>
+              <a:rPr lang="bg-BG" sz="11500" dirty="0" smtClean="0"/>
               <a:t>КРАЙ</a:t>
             </a:r>
-            <a:endParaRPr lang="bg-BG" dirty="0"/>
-          </a:p>
-        </p:txBody>
-      </p:sp>
-      <p:sp>
-        <p:nvSpPr>
-          <p:cNvPr id="3" name="Content Placeholder 2"/>
-          <p:cNvSpPr>
-            <a:spLocks noGrp="1"/>
-          </p:cNvSpPr>
-          <p:nvPr>
-            <p:ph idx="1"/>
-          </p:nvPr>
-        </p:nvSpPr>
-        <p:spPr/>
-        <p:txBody>
-          <a:bodyPr/>
-          <a:lstStyle/>
-          <a:p>
-            <a:endParaRPr lang="bg-BG"/>
+            <a:endParaRPr lang="bg-BG" sz="11500" dirty="0"/>
           </a:p>
         </p:txBody>
       </p:sp>

--- a/Presentation.pptx
+++ b/Presentation.pptx
@@ -3722,9 +3722,14 @@
               <a:t>D</a:t>
             </a:r>
             <a:r>
-              <a:rPr lang="bg-BG" dirty="0" smtClean="0"/>
-              <a:t> игра, за която ще ви разкажем сега.</a:t>
-            </a:r>
+              <a:rPr lang="bg-BG" smtClean="0"/>
+              <a:t> </a:t>
+            </a:r>
+            <a:r>
+              <a:rPr lang="bg-BG" smtClean="0"/>
+              <a:t>игра.</a:t>
+            </a:r>
+            <a:endParaRPr lang="bg-BG" dirty="0" smtClean="0"/>
           </a:p>
         </p:txBody>
       </p:sp>
